--- a/Algorytmy_BST_Magda_Szafranska_18345.pptx
+++ b/Algorytmy_BST_Magda_Szafranska_18345.pptx
@@ -3334,7 +3334,7 @@
                 </a:solidFill>
                 <a:latin typeface="IBM Plex Sans"/>
               </a:rPr>
-              <a:t>Algorytmy, AHNS in Radom</a:t>
+              <a:t>Algorytmy, AHNS w Radomiu</a:t>
             </a:r>
           </a:p>
           <a:p>
